--- a/OMM-Task1v2.pptx
+++ b/OMM-Task1v2.pptx
@@ -194,7 +194,7 @@
           <a:p>
             <a:fld id="{8ED20E8B-5375-4866-9280-845CC2BA6C2A}" type="datetimeFigureOut">
               <a:rPr lang="fr-FR" smtClean="0"/>
-              <a:t>26/04/2022</a:t>
+              <a:t>05/05/2022</a:t>
             </a:fld>
             <a:endParaRPr lang="fr-FR"/>
           </a:p>
@@ -676,11 +676,7 @@
             </a:pPr>
             <a:r>
               <a:rPr lang="en-US" baseline="0" dirty="0" smtClean="0"/>
-              <a:t>we </a:t>
-            </a:r>
-            <a:r>
-              <a:rPr lang="en-US" baseline="0" dirty="0" smtClean="0"/>
-              <a:t>introduce an increasing duration of </a:t>
+              <a:t>we introduce an increasing duration of </a:t>
             </a:r>
             <a:r>
               <a:rPr lang="en-US" baseline="0" dirty="0" err="1" smtClean="0"/>
@@ -727,13 +723,8 @@
             </a:pPr>
             <a:r>
               <a:rPr lang="en-US" baseline="0" dirty="0" smtClean="0"/>
-              <a:t>And we progressively reduce the response </a:t>
-            </a:r>
-            <a:r>
-              <a:rPr lang="en-US" baseline="0" dirty="0" smtClean="0"/>
-              <a:t>window to 500ms (inter-onset-interval for the later sequences)</a:t>
-            </a:r>
-            <a:endParaRPr lang="en-US" baseline="0" dirty="0" smtClean="0"/>
+              <a:t>And we progressively reduce the response window to 500ms (inter-onset-interval for the later sequences)</a:t>
+            </a:r>
           </a:p>
           <a:p>
             <a:endParaRPr lang="en-US" baseline="0" dirty="0" smtClean="0"/>
@@ -913,11 +904,7 @@
             </a:pPr>
             <a:r>
               <a:rPr lang="en-US" baseline="0" dirty="0" smtClean="0"/>
-              <a:t>Now </a:t>
-            </a:r>
-            <a:r>
-              <a:rPr lang="en-US" baseline="0" dirty="0" smtClean="0"/>
-              <a:t>we introduce an increasing number of full </a:t>
+              <a:t>Now we introduce an increasing number of full </a:t>
             </a:r>
             <a:r>
               <a:rPr lang="en-US" baseline="0" dirty="0" err="1" smtClean="0"/>
@@ -971,17 +958,24 @@
             </a:r>
             <a:r>
               <a:rPr lang="en-US" baseline="0" dirty="0" smtClean="0"/>
-              <a:t> number: between 1-2 (level 11) to 1-7 (level </a:t>
-            </a:r>
-            <a:r>
-              <a:rPr lang="en-US" baseline="0" smtClean="0"/>
-              <a:t>16</a:t>
-            </a:r>
-            <a:r>
-              <a:rPr lang="en-US" baseline="0" smtClean="0"/>
+              <a:t> number: between 1-2 (level </a:t>
+            </a:r>
+            <a:r>
+              <a:rPr lang="en-US" baseline="0" dirty="0" smtClean="0"/>
+              <a:t>1</a:t>
+            </a:r>
+            <a:r>
+              <a:rPr lang="en-US" baseline="0" dirty="0" smtClean="0"/>
+              <a:t>) to 1-7 (level </a:t>
+            </a:r>
+            <a:r>
+              <a:rPr lang="en-US" baseline="0" dirty="0" smtClean="0"/>
+              <a:t>6</a:t>
+            </a:r>
+            <a:r>
+              <a:rPr lang="en-US" baseline="0" dirty="0" smtClean="0"/>
               <a:t>)</a:t>
             </a:r>
-            <a:endParaRPr lang="en-US" baseline="0" dirty="0" smtClean="0"/>
           </a:p>
         </p:txBody>
       </p:sp>
@@ -1202,7 +1196,7 @@
           <a:p>
             <a:fld id="{3CACE2DD-BF9E-4CF2-99F8-8C1D2D4F84CA}" type="datetimeFigureOut">
               <a:rPr lang="fr-FR" smtClean="0"/>
-              <a:t>26/04/2022</a:t>
+              <a:t>05/05/2022</a:t>
             </a:fld>
             <a:endParaRPr lang="fr-FR"/>
           </a:p>
@@ -1372,7 +1366,7 @@
           <a:p>
             <a:fld id="{3CACE2DD-BF9E-4CF2-99F8-8C1D2D4F84CA}" type="datetimeFigureOut">
               <a:rPr lang="fr-FR" smtClean="0"/>
-              <a:t>26/04/2022</a:t>
+              <a:t>05/05/2022</a:t>
             </a:fld>
             <a:endParaRPr lang="fr-FR"/>
           </a:p>
@@ -1552,7 +1546,7 @@
           <a:p>
             <a:fld id="{3CACE2DD-BF9E-4CF2-99F8-8C1D2D4F84CA}" type="datetimeFigureOut">
               <a:rPr lang="fr-FR" smtClean="0"/>
-              <a:t>26/04/2022</a:t>
+              <a:t>05/05/2022</a:t>
             </a:fld>
             <a:endParaRPr lang="fr-FR"/>
           </a:p>
@@ -1722,7 +1716,7 @@
           <a:p>
             <a:fld id="{3CACE2DD-BF9E-4CF2-99F8-8C1D2D4F84CA}" type="datetimeFigureOut">
               <a:rPr lang="fr-FR" smtClean="0"/>
-              <a:t>26/04/2022</a:t>
+              <a:t>05/05/2022</a:t>
             </a:fld>
             <a:endParaRPr lang="fr-FR"/>
           </a:p>
@@ -1968,7 +1962,7 @@
           <a:p>
             <a:fld id="{3CACE2DD-BF9E-4CF2-99F8-8C1D2D4F84CA}" type="datetimeFigureOut">
               <a:rPr lang="fr-FR" smtClean="0"/>
-              <a:t>26/04/2022</a:t>
+              <a:t>05/05/2022</a:t>
             </a:fld>
             <a:endParaRPr lang="fr-FR"/>
           </a:p>
@@ -2256,7 +2250,7 @@
           <a:p>
             <a:fld id="{3CACE2DD-BF9E-4CF2-99F8-8C1D2D4F84CA}" type="datetimeFigureOut">
               <a:rPr lang="fr-FR" smtClean="0"/>
-              <a:t>26/04/2022</a:t>
+              <a:t>05/05/2022</a:t>
             </a:fld>
             <a:endParaRPr lang="fr-FR"/>
           </a:p>
@@ -2678,7 +2672,7 @@
           <a:p>
             <a:fld id="{3CACE2DD-BF9E-4CF2-99F8-8C1D2D4F84CA}" type="datetimeFigureOut">
               <a:rPr lang="fr-FR" smtClean="0"/>
-              <a:t>26/04/2022</a:t>
+              <a:t>05/05/2022</a:t>
             </a:fld>
             <a:endParaRPr lang="fr-FR"/>
           </a:p>
@@ -2796,7 +2790,7 @@
           <a:p>
             <a:fld id="{3CACE2DD-BF9E-4CF2-99F8-8C1D2D4F84CA}" type="datetimeFigureOut">
               <a:rPr lang="fr-FR" smtClean="0"/>
-              <a:t>26/04/2022</a:t>
+              <a:t>05/05/2022</a:t>
             </a:fld>
             <a:endParaRPr lang="fr-FR"/>
           </a:p>
@@ -2891,7 +2885,7 @@
           <a:p>
             <a:fld id="{3CACE2DD-BF9E-4CF2-99F8-8C1D2D4F84CA}" type="datetimeFigureOut">
               <a:rPr lang="fr-FR" smtClean="0"/>
-              <a:t>26/04/2022</a:t>
+              <a:t>05/05/2022</a:t>
             </a:fld>
             <a:endParaRPr lang="fr-FR"/>
           </a:p>
@@ -3168,7 +3162,7 @@
           <a:p>
             <a:fld id="{3CACE2DD-BF9E-4CF2-99F8-8C1D2D4F84CA}" type="datetimeFigureOut">
               <a:rPr lang="fr-FR" smtClean="0"/>
-              <a:t>26/04/2022</a:t>
+              <a:t>05/05/2022</a:t>
             </a:fld>
             <a:endParaRPr lang="fr-FR"/>
           </a:p>
@@ -3421,7 +3415,7 @@
           <a:p>
             <a:fld id="{3CACE2DD-BF9E-4CF2-99F8-8C1D2D4F84CA}" type="datetimeFigureOut">
               <a:rPr lang="fr-FR" smtClean="0"/>
-              <a:t>26/04/2022</a:t>
+              <a:t>05/05/2022</a:t>
             </a:fld>
             <a:endParaRPr lang="fr-FR"/>
           </a:p>
@@ -3634,7 +3628,7 @@
           <a:p>
             <a:fld id="{3CACE2DD-BF9E-4CF2-99F8-8C1D2D4F84CA}" type="datetimeFigureOut">
               <a:rPr lang="fr-FR" smtClean="0"/>
-              <a:t>26/04/2022</a:t>
+              <a:t>05/05/2022</a:t>
             </a:fld>
             <a:endParaRPr lang="fr-FR"/>
           </a:p>
@@ -4934,8 +4928,8 @@
             <a:p>
               <a:pPr algn="ctr"/>
               <a:r>
-                <a:rPr lang="en-US" sz="1400" b="1" dirty="0" err="1" smtClean="0"/>
-                <a:t>CooB</a:t>
+                <a:rPr lang="en-US" sz="1400" b="1" dirty="0" smtClean="0"/>
+                <a:t>Coo</a:t>
               </a:r>
               <a:endParaRPr lang="en-US" sz="1400" b="1" dirty="0" smtClean="0"/>
             </a:p>
@@ -5110,7 +5104,7 @@
         <p:spPr>
           <a:xfrm>
             <a:off x="2590800" y="3821668"/>
-            <a:ext cx="676788" cy="369332"/>
+            <a:ext cx="551754" cy="369332"/>
           </a:xfrm>
           <a:prstGeom prst="rect">
             <a:avLst/>
@@ -5124,12 +5118,12 @@
           <a:lstStyle/>
           <a:p>
             <a:r>
-              <a:rPr lang="en-US" dirty="0" err="1" smtClean="0">
+              <a:rPr lang="en-US" dirty="0" smtClean="0">
                 <a:solidFill>
                   <a:schemeClr val="bg1"/>
                 </a:solidFill>
               </a:rPr>
-              <a:t>CooB</a:t>
+              <a:t>Coo</a:t>
             </a:r>
             <a:endParaRPr lang="fr-FR" dirty="0">
               <a:solidFill>
@@ -5595,11 +5589,7 @@
             <a:pPr algn="ctr"/>
             <a:r>
               <a:rPr lang="en-US" sz="2400" b="1" dirty="0" smtClean="0"/>
-              <a:t>TASK </a:t>
-            </a:r>
-            <a:r>
-              <a:rPr lang="en-US" sz="2400" b="1" dirty="0" smtClean="0"/>
-              <a:t>1_part 1</a:t>
+              <a:t>TASK 1_part 1</a:t>
             </a:r>
             <a:endParaRPr lang="fr-FR" sz="2400" b="1" dirty="0"/>
           </a:p>
@@ -5609,7 +5599,6 @@
               <a:rPr lang="en-US" sz="2400" b="1" dirty="0" smtClean="0"/>
               <a:t>10 levels</a:t>
             </a:r>
-            <a:endParaRPr lang="en-US" sz="2400" b="1" dirty="0" smtClean="0"/>
           </a:p>
         </p:txBody>
       </p:sp>
@@ -5742,7 +5731,6 @@
               <a:rPr lang="en-US" sz="1400" dirty="0" smtClean="0"/>
               <a:t>00ms</a:t>
             </a:r>
-            <a:endParaRPr lang="en-US" sz="1400" dirty="0" smtClean="0"/>
           </a:p>
         </p:txBody>
       </p:sp>
@@ -6377,8 +6365,8 @@
           <a:p>
             <a:pPr algn="ctr"/>
             <a:r>
-              <a:rPr lang="en-US" sz="1400" b="1" dirty="0" err="1" smtClean="0"/>
-              <a:t>CooB</a:t>
+              <a:rPr lang="en-US" sz="1400" b="1" dirty="0" smtClean="0"/>
+              <a:t>Coo2</a:t>
             </a:r>
             <a:endParaRPr lang="fr-FR" sz="1400" b="1" dirty="0"/>
           </a:p>
@@ -6508,12 +6496,12 @@
           <a:lstStyle/>
           <a:p>
             <a:r>
-              <a:rPr lang="en-US" dirty="0" err="1" smtClean="0">
+              <a:rPr lang="en-US" dirty="0" smtClean="0">
                 <a:solidFill>
                   <a:schemeClr val="bg1"/>
                 </a:solidFill>
               </a:rPr>
-              <a:t>CooB</a:t>
+              <a:t>Coo2</a:t>
             </a:r>
             <a:endParaRPr lang="fr-FR" dirty="0">
               <a:solidFill>
@@ -6546,12 +6534,12 @@
           <a:lstStyle/>
           <a:p>
             <a:r>
-              <a:rPr lang="en-US" dirty="0" err="1" smtClean="0">
+              <a:rPr lang="en-US" dirty="0" smtClean="0">
                 <a:solidFill>
                   <a:schemeClr val="bg1"/>
                 </a:solidFill>
               </a:rPr>
-              <a:t>CooA</a:t>
+              <a:t>Coo1</a:t>
             </a:r>
             <a:endParaRPr lang="fr-FR" dirty="0">
               <a:solidFill>
@@ -6714,8 +6702,8 @@
           <a:p>
             <a:pPr algn="ctr"/>
             <a:r>
-              <a:rPr lang="en-US" sz="1400" b="1" dirty="0" err="1" smtClean="0"/>
-              <a:t>CooA</a:t>
+              <a:rPr lang="en-US" sz="1400" b="1" dirty="0" smtClean="0"/>
+              <a:t>Coo1</a:t>
             </a:r>
             <a:endParaRPr lang="fr-FR" sz="1400" b="1" dirty="0"/>
           </a:p>
@@ -6745,8 +6733,8 @@
           <a:p>
             <a:pPr algn="ctr"/>
             <a:r>
-              <a:rPr lang="en-US" sz="1400" b="1" dirty="0" err="1" smtClean="0"/>
-              <a:t>CooA</a:t>
+              <a:rPr lang="en-US" sz="1400" b="1" dirty="0" smtClean="0"/>
+              <a:t>Coo1</a:t>
             </a:r>
             <a:endParaRPr lang="en-US" sz="1400" b="1" dirty="0" smtClean="0"/>
           </a:p>
@@ -7060,13 +7048,8 @@
             <a:pPr algn="ctr"/>
             <a:r>
               <a:rPr lang="en-US" sz="2400" b="1" dirty="0" smtClean="0"/>
-              <a:t>TASK </a:t>
-            </a:r>
-            <a:r>
-              <a:rPr lang="en-US" sz="2400" b="1" dirty="0" smtClean="0"/>
-              <a:t>1_part 2</a:t>
-            </a:r>
-            <a:endParaRPr lang="en-US" sz="2400" b="1" dirty="0" smtClean="0"/>
+              <a:t>TASK 1_part 2</a:t>
+            </a:r>
           </a:p>
           <a:p>
             <a:pPr algn="ctr"/>
@@ -7123,7 +7106,7 @@
         <p:spPr>
           <a:xfrm flipV="1">
             <a:off x="5105400" y="5581305"/>
-            <a:ext cx="1334761" cy="1280"/>
+            <a:ext cx="986528" cy="1280"/>
           </a:xfrm>
           <a:prstGeom prst="straightConnector1">
             <a:avLst/>
@@ -7160,7 +7143,7 @@
         <p:spPr>
           <a:xfrm>
             <a:off x="4724400" y="5738336"/>
-            <a:ext cx="1828800" cy="954107"/>
+            <a:ext cx="1828800" cy="738664"/>
           </a:xfrm>
           <a:prstGeom prst="rect">
             <a:avLst/>
@@ -7190,15 +7173,13 @@
             <a:pPr algn="ctr"/>
             <a:r>
               <a:rPr lang="en-US" sz="1400" dirty="0" smtClean="0"/>
-              <a:t>Reduced from </a:t>
-            </a:r>
-          </a:p>
-          <a:p>
-            <a:pPr algn="ctr"/>
-            <a:r>
-              <a:rPr lang="en-US" sz="1400" dirty="0" smtClean="0"/>
-              <a:t>1240 to 500ms</a:t>
-            </a:r>
+              <a:t>500 </a:t>
+            </a:r>
+            <a:r>
+              <a:rPr lang="en-US" sz="1400" dirty="0" err="1" smtClean="0"/>
+              <a:t>ms</a:t>
+            </a:r>
+            <a:endParaRPr lang="en-US" sz="1400" dirty="0" smtClean="0"/>
           </a:p>
         </p:txBody>
       </p:sp>
@@ -7833,8 +7814,8 @@
           <a:p>
             <a:pPr algn="ctr"/>
             <a:r>
-              <a:rPr lang="en-US" sz="1400" b="1" dirty="0" err="1" smtClean="0"/>
-              <a:t>CooB</a:t>
+              <a:rPr lang="en-US" sz="1400" b="1" dirty="0" smtClean="0"/>
+              <a:t>Coo2</a:t>
             </a:r>
             <a:endParaRPr lang="fr-FR" sz="1400" b="1" dirty="0"/>
           </a:p>
@@ -7964,12 +7945,12 @@
           <a:lstStyle/>
           <a:p>
             <a:r>
-              <a:rPr lang="en-US" dirty="0" err="1" smtClean="0">
+              <a:rPr lang="en-US" dirty="0" smtClean="0">
                 <a:solidFill>
                   <a:schemeClr val="bg1"/>
                 </a:solidFill>
               </a:rPr>
-              <a:t>CooB</a:t>
+              <a:t>Coo2</a:t>
             </a:r>
             <a:endParaRPr lang="fr-FR" dirty="0">
               <a:solidFill>
@@ -8002,12 +7983,12 @@
           <a:lstStyle/>
           <a:p>
             <a:r>
-              <a:rPr lang="en-US" dirty="0" err="1" smtClean="0">
+              <a:rPr lang="en-US" dirty="0" smtClean="0">
                 <a:solidFill>
                   <a:schemeClr val="bg1"/>
                 </a:solidFill>
               </a:rPr>
-              <a:t>CooA</a:t>
+              <a:t>Coo1</a:t>
             </a:r>
             <a:endParaRPr lang="fr-FR" dirty="0">
               <a:solidFill>
@@ -8082,8 +8063,8 @@
               <a:t>Number of </a:t>
             </a:r>
             <a:r>
-              <a:rPr lang="en-US" sz="1400" b="1" dirty="0" err="1" smtClean="0"/>
-              <a:t>CooA</a:t>
+              <a:rPr lang="en-US" sz="1400" b="1" dirty="0" smtClean="0"/>
+              <a:t>Coo1</a:t>
             </a:r>
             <a:endParaRPr lang="en-US" sz="1400" b="1" dirty="0" smtClean="0"/>
           </a:p>
@@ -8254,12 +8235,12 @@
           <a:lstStyle/>
           <a:p>
             <a:r>
-              <a:rPr lang="en-US" dirty="0" err="1" smtClean="0">
+              <a:rPr lang="en-US" dirty="0" smtClean="0">
                 <a:solidFill>
                   <a:schemeClr val="bg1"/>
                 </a:solidFill>
               </a:rPr>
-              <a:t>CooA</a:t>
+              <a:t>Coo1</a:t>
             </a:r>
             <a:endParaRPr lang="fr-FR" dirty="0">
               <a:solidFill>
@@ -8292,12 +8273,12 @@
           <a:lstStyle/>
           <a:p>
             <a:r>
-              <a:rPr lang="en-US" dirty="0" err="1" smtClean="0">
+              <a:rPr lang="en-US" dirty="0" smtClean="0">
                 <a:solidFill>
                   <a:schemeClr val="bg1"/>
                 </a:solidFill>
               </a:rPr>
-              <a:t>CooA</a:t>
+              <a:t>Coo1</a:t>
             </a:r>
             <a:endParaRPr lang="fr-FR" dirty="0">
               <a:solidFill>
